--- a/Concept.pptx
+++ b/Concept.pptx
@@ -209,7 +209,7 @@
           <a:p>
             <a:fld id="{2D43ADF7-8029-4599-B191-22DE4041F19A}" type="datetimeFigureOut">
               <a:rPr lang="LID4096" smtClean="0"/>
-              <a:t>11/02/2022</a:t>
+              <a:t>3/5/23</a:t>
             </a:fld>
             <a:endParaRPr lang="LID4096"/>
           </a:p>
@@ -730,7 +730,7 @@
           <a:p>
             <a:fld id="{973ADB5D-1883-4F02-90E7-5C3FB4F13D52}" type="datetimeFigureOut">
               <a:rPr lang="LID4096" smtClean="0"/>
-              <a:t>11/02/2022</a:t>
+              <a:t>3/5/23</a:t>
             </a:fld>
             <a:endParaRPr lang="LID4096"/>
           </a:p>
@@ -930,7 +930,7 @@
           <a:p>
             <a:fld id="{973ADB5D-1883-4F02-90E7-5C3FB4F13D52}" type="datetimeFigureOut">
               <a:rPr lang="LID4096" smtClean="0"/>
-              <a:t>11/02/2022</a:t>
+              <a:t>3/5/23</a:t>
             </a:fld>
             <a:endParaRPr lang="LID4096"/>
           </a:p>
@@ -1140,7 +1140,7 @@
           <a:p>
             <a:fld id="{973ADB5D-1883-4F02-90E7-5C3FB4F13D52}" type="datetimeFigureOut">
               <a:rPr lang="LID4096" smtClean="0"/>
-              <a:t>11/02/2022</a:t>
+              <a:t>3/5/23</a:t>
             </a:fld>
             <a:endParaRPr lang="LID4096"/>
           </a:p>
@@ -1340,7 +1340,7 @@
           <a:p>
             <a:fld id="{973ADB5D-1883-4F02-90E7-5C3FB4F13D52}" type="datetimeFigureOut">
               <a:rPr lang="LID4096" smtClean="0"/>
-              <a:t>11/02/2022</a:t>
+              <a:t>3/5/23</a:t>
             </a:fld>
             <a:endParaRPr lang="LID4096"/>
           </a:p>
@@ -1616,7 +1616,7 @@
           <a:p>
             <a:fld id="{973ADB5D-1883-4F02-90E7-5C3FB4F13D52}" type="datetimeFigureOut">
               <a:rPr lang="LID4096" smtClean="0"/>
-              <a:t>11/02/2022</a:t>
+              <a:t>3/5/23</a:t>
             </a:fld>
             <a:endParaRPr lang="LID4096"/>
           </a:p>
@@ -1884,7 +1884,7 @@
           <a:p>
             <a:fld id="{973ADB5D-1883-4F02-90E7-5C3FB4F13D52}" type="datetimeFigureOut">
               <a:rPr lang="LID4096" smtClean="0"/>
-              <a:t>11/02/2022</a:t>
+              <a:t>3/5/23</a:t>
             </a:fld>
             <a:endParaRPr lang="LID4096"/>
           </a:p>
@@ -2299,7 +2299,7 @@
           <a:p>
             <a:fld id="{973ADB5D-1883-4F02-90E7-5C3FB4F13D52}" type="datetimeFigureOut">
               <a:rPr lang="LID4096" smtClean="0"/>
-              <a:t>11/02/2022</a:t>
+              <a:t>3/5/23</a:t>
             </a:fld>
             <a:endParaRPr lang="LID4096"/>
           </a:p>
@@ -2441,7 +2441,7 @@
           <a:p>
             <a:fld id="{973ADB5D-1883-4F02-90E7-5C3FB4F13D52}" type="datetimeFigureOut">
               <a:rPr lang="LID4096" smtClean="0"/>
-              <a:t>11/02/2022</a:t>
+              <a:t>3/5/23</a:t>
             </a:fld>
             <a:endParaRPr lang="LID4096"/>
           </a:p>
@@ -2554,7 +2554,7 @@
           <a:p>
             <a:fld id="{973ADB5D-1883-4F02-90E7-5C3FB4F13D52}" type="datetimeFigureOut">
               <a:rPr lang="LID4096" smtClean="0"/>
-              <a:t>11/02/2022</a:t>
+              <a:t>3/5/23</a:t>
             </a:fld>
             <a:endParaRPr lang="LID4096"/>
           </a:p>
@@ -2867,7 +2867,7 @@
           <a:p>
             <a:fld id="{973ADB5D-1883-4F02-90E7-5C3FB4F13D52}" type="datetimeFigureOut">
               <a:rPr lang="LID4096" smtClean="0"/>
-              <a:t>11/02/2022</a:t>
+              <a:t>3/5/23</a:t>
             </a:fld>
             <a:endParaRPr lang="LID4096"/>
           </a:p>
@@ -3156,7 +3156,7 @@
           <a:p>
             <a:fld id="{973ADB5D-1883-4F02-90E7-5C3FB4F13D52}" type="datetimeFigureOut">
               <a:rPr lang="LID4096" smtClean="0"/>
-              <a:t>11/02/2022</a:t>
+              <a:t>3/5/23</a:t>
             </a:fld>
             <a:endParaRPr lang="LID4096"/>
           </a:p>
@@ -3399,7 +3399,7 @@
           <a:p>
             <a:fld id="{973ADB5D-1883-4F02-90E7-5C3FB4F13D52}" type="datetimeFigureOut">
               <a:rPr lang="LID4096" smtClean="0"/>
-              <a:t>11/02/2022</a:t>
+              <a:t>3/5/23</a:t>
             </a:fld>
             <a:endParaRPr lang="LID4096"/>
           </a:p>
